--- a/git present.pptx
+++ b/git present.pptx
@@ -104,6 +104,11 @@
       </a:defRPr>
     </a:lvl9pPr>
   </p:defaultTextStyle>
+  <p:extLst>
+    <p:ext uri="{EFAFB233-063F-42B5-8137-9DF3F51BA10A}">
+      <p15:sldGuideLst xmlns:p15="http://schemas.microsoft.com/office/powerpoint/2012/main"/>
+    </p:ext>
+  </p:extLst>
 </p:presentation>
 </file>
 
@@ -112,18 +117,18 @@
   <pc:docChgLst>
     <pc:chgData name="Eyob Adehane" userId="0f45cd0bb25b9b3b" providerId="LiveId" clId="{517DBACF-1549-4D21-A618-0A635F656217}"/>
     <pc:docChg chg="addSld modSld">
-      <pc:chgData name="Eyob Adehane" userId="0f45cd0bb25b9b3b" providerId="LiveId" clId="{517DBACF-1549-4D21-A618-0A635F656217}" dt="2024-03-19T06:58:56.816" v="19" actId="20577"/>
+      <pc:chgData name="Eyob Adehane" userId="0f45cd0bb25b9b3b" providerId="LiveId" clId="{517DBACF-1549-4D21-A618-0A635F656217}" dt="2024-03-19T08:01:37.668" v="21" actId="20577"/>
       <pc:docMkLst>
         <pc:docMk/>
       </pc:docMkLst>
       <pc:sldChg chg="modSp new mod">
-        <pc:chgData name="Eyob Adehane" userId="0f45cd0bb25b9b3b" providerId="LiveId" clId="{517DBACF-1549-4D21-A618-0A635F656217}" dt="2024-03-19T06:58:56.816" v="19" actId="20577"/>
+        <pc:chgData name="Eyob Adehane" userId="0f45cd0bb25b9b3b" providerId="LiveId" clId="{517DBACF-1549-4D21-A618-0A635F656217}" dt="2024-03-19T08:01:37.668" v="21" actId="20577"/>
         <pc:sldMkLst>
           <pc:docMk/>
           <pc:sldMk cId="1217250233" sldId="256"/>
         </pc:sldMkLst>
         <pc:spChg chg="mod">
-          <ac:chgData name="Eyob Adehane" userId="0f45cd0bb25b9b3b" providerId="LiveId" clId="{517DBACF-1549-4D21-A618-0A635F656217}" dt="2024-03-19T06:58:56.816" v="19" actId="20577"/>
+          <ac:chgData name="Eyob Adehane" userId="0f45cd0bb25b9b3b" providerId="LiveId" clId="{517DBACF-1549-4D21-A618-0A635F656217}" dt="2024-03-19T08:01:37.668" v="21" actId="20577"/>
           <ac:spMkLst>
             <pc:docMk/>
             <pc:sldMk cId="1217250233" sldId="256"/>
@@ -3377,7 +3382,7 @@
             </a:r>
             <a:r>
               <a:rPr lang="en-US"/>
-              <a:t>about git</a:t>
+              <a:t>about git !</a:t>
             </a:r>
           </a:p>
         </p:txBody>
